--- a/ppt/ATD15_Ratomir_Vukadin_Kubernetes_AzureFunctions.pptx
+++ b/ppt/ATD15_Ratomir_Vukadin_Kubernetes_AzureFunctions.pptx
@@ -5,30 +5,31 @@
     <p:sldMasterId id="2147484082" r:id="rId4"/>
   </p:sldMasterIdLst>
   <p:notesMasterIdLst>
-    <p:notesMasterId r:id="rId23"/>
+    <p:notesMasterId r:id="rId24"/>
   </p:notesMasterIdLst>
   <p:handoutMasterIdLst>
-    <p:handoutMasterId r:id="rId24"/>
+    <p:handoutMasterId r:id="rId25"/>
   </p:handoutMasterIdLst>
   <p:sldIdLst>
     <p:sldId id="1177" r:id="rId5"/>
     <p:sldId id="1191" r:id="rId6"/>
     <p:sldId id="1193" r:id="rId7"/>
-    <p:sldId id="1195" r:id="rId8"/>
-    <p:sldId id="1196" r:id="rId9"/>
-    <p:sldId id="1197" r:id="rId10"/>
-    <p:sldId id="1198" r:id="rId11"/>
-    <p:sldId id="1204" r:id="rId12"/>
-    <p:sldId id="1199" r:id="rId13"/>
-    <p:sldId id="1209" r:id="rId14"/>
-    <p:sldId id="1202" r:id="rId15"/>
-    <p:sldId id="1200" r:id="rId16"/>
-    <p:sldId id="1201" r:id="rId17"/>
-    <p:sldId id="1208" r:id="rId18"/>
-    <p:sldId id="1203" r:id="rId19"/>
-    <p:sldId id="1205" r:id="rId20"/>
-    <p:sldId id="1206" r:id="rId21"/>
-    <p:sldId id="1207" r:id="rId22"/>
+    <p:sldId id="1901" r:id="rId8"/>
+    <p:sldId id="1195" r:id="rId9"/>
+    <p:sldId id="1196" r:id="rId10"/>
+    <p:sldId id="1197" r:id="rId11"/>
+    <p:sldId id="1198" r:id="rId12"/>
+    <p:sldId id="1204" r:id="rId13"/>
+    <p:sldId id="1199" r:id="rId14"/>
+    <p:sldId id="1209" r:id="rId15"/>
+    <p:sldId id="1202" r:id="rId16"/>
+    <p:sldId id="1200" r:id="rId17"/>
+    <p:sldId id="1201" r:id="rId18"/>
+    <p:sldId id="1208" r:id="rId19"/>
+    <p:sldId id="1203" r:id="rId20"/>
+    <p:sldId id="1205" r:id="rId21"/>
+    <p:sldId id="1206" r:id="rId22"/>
+    <p:sldId id="1207" r:id="rId23"/>
   </p:sldIdLst>
   <p:sldSz cx="12436475" cy="6994525"/>
   <p:notesSz cx="6858000" cy="9144000"/>
@@ -135,6 +136,11 @@
             <p14:sldId id="1177"/>
             <p14:sldId id="1191"/>
             <p14:sldId id="1193"/>
+          </p14:sldIdLst>
+        </p14:section>
+        <p14:section name="About Me" id="{E0E12DA3-7895-42EF-B365-C6249B0C665B}">
+          <p14:sldIdLst>
+            <p14:sldId id="1901"/>
             <p14:sldId id="1195"/>
             <p14:sldId id="1196"/>
             <p14:sldId id="1197"/>
@@ -312,7 +318,7 @@
 <file path=ppt/revisionInfo.xml><?xml version="1.0" encoding="utf-8"?>
 <p1510:revInfo xmlns:a="http://schemas.openxmlformats.org/drawingml/2006/main" xmlns:r="http://schemas.openxmlformats.org/officeDocument/2006/relationships" xmlns:p1510="http://schemas.microsoft.com/office/powerpoint/2015/10/main">
   <p1510:revLst>
-    <p1510:client id="{11430284-18F4-4C81-9D18-288C591DDA8F}" v="187" dt="2019-12-05T08:31:29.020"/>
+    <p1510:client id="{11430284-18F4-4C81-9D18-288C591DDA8F}" v="188" dt="2019-12-05T08:34:19.223"/>
   </p1510:revLst>
 </p1510:revInfo>
 </file>
@@ -322,7 +328,7 @@
   <pc:docChgLst>
     <pc:chgData name="Ratomir Vukadin" userId="97f9f9d869f927ca" providerId="LiveId" clId="{11430284-18F4-4C81-9D18-288C591DDA8F}"/>
     <pc:docChg chg="undo custSel addSld delSld modSld sldOrd delMainMaster delSection modSection">
-      <pc:chgData name="Ratomir Vukadin" userId="97f9f9d869f927ca" providerId="LiveId" clId="{11430284-18F4-4C81-9D18-288C591DDA8F}" dt="2019-12-05T08:31:29.019" v="2190" actId="1076"/>
+      <pc:chgData name="Ratomir Vukadin" userId="97f9f9d869f927ca" providerId="LiveId" clId="{11430284-18F4-4C81-9D18-288C591DDA8F}" dt="2019-12-05T08:34:54.029" v="2256" actId="20577"/>
       <pc:docMkLst>
         <pc:docMk/>
       </pc:docMkLst>
@@ -1040,6 +1046,21 @@
             <ac:picMk id="2052" creationId="{A082AAFF-67E4-425D-82F2-654542453F0D}"/>
           </ac:picMkLst>
         </pc:picChg>
+      </pc:sldChg>
+      <pc:sldChg chg="modSp add">
+        <pc:chgData name="Ratomir Vukadin" userId="97f9f9d869f927ca" providerId="LiveId" clId="{11430284-18F4-4C81-9D18-288C591DDA8F}" dt="2019-12-05T08:34:54.029" v="2256" actId="20577"/>
+        <pc:sldMkLst>
+          <pc:docMk/>
+          <pc:sldMk cId="2972552792" sldId="1901"/>
+        </pc:sldMkLst>
+        <pc:spChg chg="mod">
+          <ac:chgData name="Ratomir Vukadin" userId="97f9f9d869f927ca" providerId="LiveId" clId="{11430284-18F4-4C81-9D18-288C591DDA8F}" dt="2019-12-05T08:34:54.029" v="2256" actId="20577"/>
+          <ac:spMkLst>
+            <pc:docMk/>
+            <pc:sldMk cId="2972552792" sldId="1901"/>
+            <ac:spMk id="4" creationId="{2BAC0110-BC16-46DE-936C-C111C06EE1EB}"/>
+          </ac:spMkLst>
+        </pc:spChg>
       </pc:sldChg>
       <pc:sldMasterChg chg="delSldLayout">
         <pc:chgData name="Ratomir Vukadin" userId="97f9f9d869f927ca" providerId="LiveId" clId="{11430284-18F4-4C81-9D18-288C591DDA8F}" dt="2019-12-04T22:42:20.274" v="1877" actId="2696"/>
@@ -12042,6 +12063,280 @@
           <a:chExt cx="0" cy="0"/>
         </a:xfrm>
       </p:grpSpPr>
+      <p:sp>
+        <p:nvSpPr>
+          <p:cNvPr id="2" name="Title 1">
+            <a:extLst>
+              <a:ext uri="{FF2B5EF4-FFF2-40B4-BE49-F238E27FC236}">
+                <a16:creationId xmlns:a16="http://schemas.microsoft.com/office/drawing/2014/main" id="{804AD811-CA47-4A7E-A5C6-DAC437DF7C29}"/>
+              </a:ext>
+            </a:extLst>
+          </p:cNvPr>
+          <p:cNvSpPr>
+            <a:spLocks noGrp="1"/>
+          </p:cNvSpPr>
+          <p:nvPr>
+            <p:ph type="title"/>
+          </p:nvPr>
+        </p:nvSpPr>
+        <p:spPr>
+          <a:xfrm>
+            <a:off x="274639" y="264964"/>
+            <a:ext cx="11576702" cy="1097302"/>
+          </a:xfrm>
+        </p:spPr>
+        <p:txBody>
+          <a:bodyPr/>
+          <a:lstStyle/>
+          <a:p>
+            <a:r>
+              <a:rPr lang="en-US"/>
+              <a:t>KEDA</a:t>
+            </a:r>
+            <a:br>
+              <a:rPr lang="en-US"/>
+            </a:br>
+            <a:r>
+              <a:rPr lang="en-US"/>
+              <a:t>Kubernetes-Event-Driven-Autoscaling</a:t>
+            </a:r>
+            <a:endParaRPr lang="en-US" dirty="0"/>
+          </a:p>
+        </p:txBody>
+      </p:sp>
+      <p:sp>
+        <p:nvSpPr>
+          <p:cNvPr id="3" name="Text Placeholder 2">
+            <a:extLst>
+              <a:ext uri="{FF2B5EF4-FFF2-40B4-BE49-F238E27FC236}">
+                <a16:creationId xmlns:a16="http://schemas.microsoft.com/office/drawing/2014/main" id="{D6BABD4F-D63E-4609-AACC-213930EE0AB9}"/>
+              </a:ext>
+            </a:extLst>
+          </p:cNvPr>
+          <p:cNvSpPr>
+            <a:spLocks noGrp="1"/>
+          </p:cNvSpPr>
+          <p:nvPr>
+            <p:ph type="body" sz="quarter" idx="13"/>
+          </p:nvPr>
+        </p:nvSpPr>
+        <p:spPr>
+          <a:xfrm>
+            <a:off x="274639" y="2125663"/>
+            <a:ext cx="9144000" cy="4082870"/>
+          </a:xfrm>
+        </p:spPr>
+        <p:txBody>
+          <a:bodyPr/>
+          <a:lstStyle/>
+          <a:p>
+            <a:r>
+              <a:rPr lang="en-GB" dirty="0"/>
+              <a:t>Monitors the rate of events to proactively scale any container</a:t>
+            </a:r>
+          </a:p>
+          <a:p>
+            <a:r>
+              <a:rPr lang="en-GB" dirty="0"/>
+              <a:t>Feeds the data into the Kubernetes system to drive scaling</a:t>
+            </a:r>
+          </a:p>
+          <a:p>
+            <a:r>
+              <a:rPr lang="en-GB" dirty="0"/>
+              <a:t>KEDA can run on both, any cloud, any Kubernetes, integrates natively HPA </a:t>
+            </a:r>
+          </a:p>
+          <a:p>
+            <a:r>
+              <a:rPr lang="en-GB" dirty="0"/>
+              <a:t>Open source (MIT License) and onboarding to CNCF</a:t>
+            </a:r>
+          </a:p>
+          <a:p>
+            <a:r>
+              <a:rPr lang="en-GB" dirty="0"/>
+              <a:t>Extensible and pluggable scalers to grab metrics from any event source</a:t>
+            </a:r>
+          </a:p>
+          <a:p>
+            <a:pPr marL="0" indent="0">
+              <a:buNone/>
+            </a:pPr>
+            <a:endParaRPr lang="en-GB" dirty="0"/>
+          </a:p>
+          <a:p>
+            <a:endParaRPr lang="en-US" dirty="0"/>
+          </a:p>
+        </p:txBody>
+      </p:sp>
+      <p:pic>
+        <p:nvPicPr>
+          <p:cNvPr id="4" name="Picture 3">
+            <a:extLst>
+              <a:ext uri="{FF2B5EF4-FFF2-40B4-BE49-F238E27FC236}">
+                <a16:creationId xmlns:a16="http://schemas.microsoft.com/office/drawing/2014/main" id="{B23C6030-96C7-45FE-90F6-722F01CEC567}"/>
+              </a:ext>
+            </a:extLst>
+          </p:cNvPr>
+          <p:cNvPicPr>
+            <a:picLocks noChangeAspect="1"/>
+          </p:cNvPicPr>
+          <p:nvPr/>
+        </p:nvPicPr>
+        <p:blipFill>
+          <a:blip r:embed="rId2"/>
+          <a:stretch>
+            <a:fillRect/>
+          </a:stretch>
+        </p:blipFill>
+        <p:spPr>
+          <a:xfrm>
+            <a:off x="8395299" y="0"/>
+            <a:ext cx="4148930" cy="1616637"/>
+          </a:xfrm>
+          <a:prstGeom prst="rect">
+            <a:avLst/>
+          </a:prstGeom>
+        </p:spPr>
+      </p:pic>
+      <p:sp>
+        <p:nvSpPr>
+          <p:cNvPr id="5" name="Rectangle 4">
+            <a:extLst>
+              <a:ext uri="{FF2B5EF4-FFF2-40B4-BE49-F238E27FC236}">
+                <a16:creationId xmlns:a16="http://schemas.microsoft.com/office/drawing/2014/main" id="{C88056E4-7971-435B-8043-6C11380500DA}"/>
+              </a:ext>
+            </a:extLst>
+          </p:cNvPr>
+          <p:cNvSpPr/>
+          <p:nvPr/>
+        </p:nvSpPr>
+        <p:spPr>
+          <a:xfrm>
+            <a:off x="9056114" y="4521145"/>
+            <a:ext cx="3105722" cy="369332"/>
+          </a:xfrm>
+          <a:prstGeom prst="rect">
+            <a:avLst/>
+          </a:prstGeom>
+        </p:spPr>
+        <p:txBody>
+          <a:bodyPr wrap="none">
+            <a:spAutoFit/>
+          </a:bodyPr>
+          <a:lstStyle/>
+          <a:p>
+            <a:r>
+              <a:rPr lang="en-US" dirty="0">
+                <a:hlinkClick r:id="rId3"/>
+              </a:rPr>
+              <a:t>https://github.com/kedacore</a:t>
+            </a:r>
+            <a:endParaRPr lang="en-US" dirty="0"/>
+          </a:p>
+        </p:txBody>
+      </p:sp>
+      <p:sp>
+        <p:nvSpPr>
+          <p:cNvPr id="6" name="Rectangle 5">
+            <a:extLst>
+              <a:ext uri="{FF2B5EF4-FFF2-40B4-BE49-F238E27FC236}">
+                <a16:creationId xmlns:a16="http://schemas.microsoft.com/office/drawing/2014/main" id="{A85E753B-2CD4-4852-BC31-1F7D2DC48C46}"/>
+              </a:ext>
+            </a:extLst>
+          </p:cNvPr>
+          <p:cNvSpPr/>
+          <p:nvPr/>
+        </p:nvSpPr>
+        <p:spPr>
+          <a:xfrm>
+            <a:off x="10375578" y="5329656"/>
+            <a:ext cx="1786258" cy="369332"/>
+          </a:xfrm>
+          <a:prstGeom prst="rect">
+            <a:avLst/>
+          </a:prstGeom>
+        </p:spPr>
+        <p:txBody>
+          <a:bodyPr wrap="none">
+            <a:spAutoFit/>
+          </a:bodyPr>
+          <a:lstStyle/>
+          <a:p>
+            <a:r>
+              <a:rPr lang="en-US" dirty="0">
+                <a:hlinkClick r:id="rId4"/>
+              </a:rPr>
+              <a:t>https://keda.sh/</a:t>
+            </a:r>
+            <a:endParaRPr lang="en-US" dirty="0"/>
+          </a:p>
+        </p:txBody>
+      </p:sp>
+      <p:pic>
+        <p:nvPicPr>
+          <p:cNvPr id="7" name="Picture 6">
+            <a:extLst>
+              <a:ext uri="{FF2B5EF4-FFF2-40B4-BE49-F238E27FC236}">
+                <a16:creationId xmlns:a16="http://schemas.microsoft.com/office/drawing/2014/main" id="{1F8BF177-E597-4152-8387-10378F77AD6A}"/>
+              </a:ext>
+            </a:extLst>
+          </p:cNvPr>
+          <p:cNvPicPr>
+            <a:picLocks noChangeAspect="1"/>
+          </p:cNvPicPr>
+          <p:nvPr/>
+        </p:nvPicPr>
+        <p:blipFill>
+          <a:blip r:embed="rId5"/>
+          <a:stretch>
+            <a:fillRect/>
+          </a:stretch>
+        </p:blipFill>
+        <p:spPr>
+          <a:xfrm>
+            <a:off x="2545407" y="5698988"/>
+            <a:ext cx="4961050" cy="967824"/>
+          </a:xfrm>
+          <a:prstGeom prst="rect">
+            <a:avLst/>
+          </a:prstGeom>
+        </p:spPr>
+      </p:pic>
+    </p:spTree>
+    <p:extLst>
+      <p:ext uri="{BB962C8B-B14F-4D97-AF65-F5344CB8AC3E}">
+        <p14:creationId xmlns:p14="http://schemas.microsoft.com/office/powerpoint/2010/main" val="914791374"/>
+      </p:ext>
+    </p:extLst>
+  </p:cSld>
+  <p:clrMapOvr>
+    <a:masterClrMapping/>
+  </p:clrMapOvr>
+  <p:transition>
+    <p:fade/>
+  </p:transition>
+</p:sld>
+</file>
+
+<file path=ppt/slides/slide11.xml><?xml version="1.0" encoding="utf-8"?>
+<p:sld xmlns:a="http://schemas.openxmlformats.org/drawingml/2006/main" xmlns:r="http://schemas.openxmlformats.org/officeDocument/2006/relationships" xmlns:p="http://schemas.openxmlformats.org/presentationml/2006/main">
+  <p:cSld>
+    <p:spTree>
+      <p:nvGrpSpPr>
+        <p:cNvPr id="1" name=""/>
+        <p:cNvGrpSpPr/>
+        <p:nvPr/>
+      </p:nvGrpSpPr>
+      <p:grpSpPr>
+        <a:xfrm>
+          <a:off x="0" y="0"/>
+          <a:ext cx="0" cy="0"/>
+          <a:chOff x="0" y="0"/>
+          <a:chExt cx="0" cy="0"/>
+        </a:xfrm>
+      </p:grpSpPr>
       <p:pic>
         <p:nvPicPr>
           <p:cNvPr id="2052" name="Picture 4" descr="https://blog.tomkerkhove.be/content/images/2019/11/with-keda.png">
@@ -12105,7 +12400,7 @@
 </p:sld>
 </file>
 
-<file path=ppt/slides/slide11.xml><?xml version="1.0" encoding="utf-8"?>
+<file path=ppt/slides/slide12.xml><?xml version="1.0" encoding="utf-8"?>
 <p:sld xmlns:a="http://schemas.openxmlformats.org/drawingml/2006/main" xmlns:r="http://schemas.openxmlformats.org/officeDocument/2006/relationships" xmlns:p="http://schemas.openxmlformats.org/presentationml/2006/main">
   <p:cSld>
     <p:spTree>
@@ -12196,7 +12491,7 @@
 </p:sld>
 </file>
 
-<file path=ppt/slides/slide12.xml><?xml version="1.0" encoding="utf-8"?>
+<file path=ppt/slides/slide13.xml><?xml version="1.0" encoding="utf-8"?>
 <p:sld xmlns:a="http://schemas.openxmlformats.org/drawingml/2006/main" xmlns:r="http://schemas.openxmlformats.org/officeDocument/2006/relationships" xmlns:p="http://schemas.openxmlformats.org/presentationml/2006/main">
   <p:cSld>
     <p:spTree>
@@ -12291,7 +12586,7 @@
 </p:sld>
 </file>
 
-<file path=ppt/slides/slide13.xml><?xml version="1.0" encoding="utf-8"?>
+<file path=ppt/slides/slide14.xml><?xml version="1.0" encoding="utf-8"?>
 <p:sld xmlns:a="http://schemas.openxmlformats.org/drawingml/2006/main" xmlns:r="http://schemas.openxmlformats.org/officeDocument/2006/relationships" xmlns:p="http://schemas.openxmlformats.org/presentationml/2006/main">
   <p:cSld>
     <p:spTree>
@@ -12399,7 +12694,7 @@
 </p:sld>
 </file>
 
-<file path=ppt/slides/slide14.xml><?xml version="1.0" encoding="utf-8"?>
+<file path=ppt/slides/slide15.xml><?xml version="1.0" encoding="utf-8"?>
 <p:sld xmlns:a="http://schemas.openxmlformats.org/drawingml/2006/main" xmlns:r="http://schemas.openxmlformats.org/officeDocument/2006/relationships" xmlns:p="http://schemas.openxmlformats.org/presentationml/2006/main">
   <p:cSld>
     <p:spTree>
@@ -12490,7 +12785,7 @@
 </p:sld>
 </file>
 
-<file path=ppt/slides/slide15.xml><?xml version="1.0" encoding="utf-8"?>
+<file path=ppt/slides/slide16.xml><?xml version="1.0" encoding="utf-8"?>
 <p:sld xmlns:a="http://schemas.openxmlformats.org/drawingml/2006/main" xmlns:r="http://schemas.openxmlformats.org/officeDocument/2006/relationships" xmlns:p="http://schemas.openxmlformats.org/presentationml/2006/main">
   <p:cSld>
     <p:spTree>
@@ -12866,7 +13161,7 @@
 </p:sld>
 </file>
 
-<file path=ppt/slides/slide16.xml><?xml version="1.0" encoding="utf-8"?>
+<file path=ppt/slides/slide17.xml><?xml version="1.0" encoding="utf-8"?>
 <p:sld xmlns:a="http://schemas.openxmlformats.org/drawingml/2006/main" xmlns:r="http://schemas.openxmlformats.org/officeDocument/2006/relationships" xmlns:p="http://schemas.openxmlformats.org/presentationml/2006/main">
   <p:cSld>
     <p:spTree>
@@ -12927,7 +13222,7 @@
 </p:sld>
 </file>
 
-<file path=ppt/slides/slide17.xml><?xml version="1.0" encoding="utf-8"?>
+<file path=ppt/slides/slide18.xml><?xml version="1.0" encoding="utf-8"?>
 <p:sld xmlns:a="http://schemas.openxmlformats.org/drawingml/2006/main" xmlns:r="http://schemas.openxmlformats.org/officeDocument/2006/relationships" xmlns:p="http://schemas.openxmlformats.org/presentationml/2006/main">
   <p:cSld>
     <p:spTree>
@@ -13160,7 +13455,7 @@
 </p:sld>
 </file>
 
-<file path=ppt/slides/slide18.xml><?xml version="1.0" encoding="utf-8"?>
+<file path=ppt/slides/slide19.xml><?xml version="1.0" encoding="utf-8"?>
 <p:sld xmlns:a="http://schemas.openxmlformats.org/drawingml/2006/main" xmlns:r="http://schemas.openxmlformats.org/officeDocument/2006/relationships" xmlns:p="http://schemas.openxmlformats.org/presentationml/2006/main">
   <p:cSld>
     <p:spTree>
@@ -13328,13 +13623,13 @@
   <p:clrMapOvr>
     <a:masterClrMapping/>
   </p:clrMapOvr>
-  <mc:AlternateContent xmlns:mc="http://schemas.openxmlformats.org/markup-compatibility/2006">
-    <mc:Choice xmlns:p14="http://schemas.microsoft.com/office/powerpoint/2010/main" Requires="p14">
+  <mc:AlternateContent xmlns:mc="http://schemas.openxmlformats.org/markup-compatibility/2006" xmlns:p14="http://schemas.microsoft.com/office/powerpoint/2010/main">
+    <mc:Choice Requires="p14">
       <p:transition spd="med" p14:dur="700">
         <p:fade/>
       </p:transition>
     </mc:Choice>
-    <mc:Fallback>
+    <mc:Fallback xmlns="">
       <p:transition spd="med">
         <p:fade/>
       </p:transition>
@@ -13344,6 +13639,172 @@
 </file>
 
 <file path=ppt/slides/slide4.xml><?xml version="1.0" encoding="utf-8"?>
+<p:sld xmlns:a="http://schemas.openxmlformats.org/drawingml/2006/main" xmlns:r="http://schemas.openxmlformats.org/officeDocument/2006/relationships" xmlns:p="http://schemas.openxmlformats.org/presentationml/2006/main">
+  <p:cSld>
+    <p:spTree>
+      <p:nvGrpSpPr>
+        <p:cNvPr id="1" name=""/>
+        <p:cNvGrpSpPr/>
+        <p:nvPr/>
+      </p:nvGrpSpPr>
+      <p:grpSpPr>
+        <a:xfrm>
+          <a:off x="0" y="0"/>
+          <a:ext cx="0" cy="0"/>
+          <a:chOff x="0" y="0"/>
+          <a:chExt cx="0" cy="0"/>
+        </a:xfrm>
+      </p:grpSpPr>
+      <p:sp>
+        <p:nvSpPr>
+          <p:cNvPr id="3" name="Title 2">
+            <a:extLst>
+              <a:ext uri="{FF2B5EF4-FFF2-40B4-BE49-F238E27FC236}">
+                <a16:creationId xmlns:a16="http://schemas.microsoft.com/office/drawing/2014/main" id="{6D6C18EA-B6D4-4D62-8AEB-F94FCDF53BD7}"/>
+              </a:ext>
+            </a:extLst>
+          </p:cNvPr>
+          <p:cNvSpPr>
+            <a:spLocks noGrp="1"/>
+          </p:cNvSpPr>
+          <p:nvPr>
+            <p:ph type="title"/>
+          </p:nvPr>
+        </p:nvSpPr>
+        <p:spPr/>
+        <p:txBody>
+          <a:bodyPr/>
+          <a:lstStyle/>
+          <a:p>
+            <a:r>
+              <a:rPr lang="en-US" dirty="0" err="1"/>
+              <a:t>whoami</a:t>
+            </a:r>
+            <a:endParaRPr lang="en-US" dirty="0"/>
+          </a:p>
+        </p:txBody>
+      </p:sp>
+      <p:sp>
+        <p:nvSpPr>
+          <p:cNvPr id="4" name="Text Placeholder 3">
+            <a:extLst>
+              <a:ext uri="{FF2B5EF4-FFF2-40B4-BE49-F238E27FC236}">
+                <a16:creationId xmlns:a16="http://schemas.microsoft.com/office/drawing/2014/main" id="{2BAC0110-BC16-46DE-936C-C111C06EE1EB}"/>
+              </a:ext>
+            </a:extLst>
+          </p:cNvPr>
+          <p:cNvSpPr>
+            <a:spLocks noGrp="1"/>
+          </p:cNvSpPr>
+          <p:nvPr>
+            <p:ph type="body" sz="quarter" idx="13"/>
+          </p:nvPr>
+        </p:nvSpPr>
+        <p:spPr>
+          <a:xfrm>
+            <a:off x="274639" y="1362266"/>
+            <a:ext cx="9144000" cy="4082870"/>
+          </a:xfrm>
+        </p:spPr>
+        <p:txBody>
+          <a:bodyPr/>
+          <a:lstStyle/>
+          <a:p>
+            <a:r>
+              <a:rPr lang="en-US" dirty="0"/>
+              <a:t>Ratomir Vukadin</a:t>
+            </a:r>
+          </a:p>
+          <a:p>
+            <a:r>
+              <a:rPr lang="en-US" dirty="0"/>
+              <a:t>DevOps Engineer – Mistral www.mistral.ba</a:t>
+            </a:r>
+          </a:p>
+          <a:p>
+            <a:r>
+              <a:rPr lang="en-US" dirty="0"/>
+              <a:t>https://www.linkedin.com/in/ratomir-vukadin-rvs/</a:t>
+            </a:r>
+          </a:p>
+          <a:p>
+            <a:r>
+              <a:rPr lang="en-US" dirty="0"/>
+              <a:t>https://twitter.com/Ratko_V </a:t>
+            </a:r>
+          </a:p>
+          <a:p>
+            <a:r>
+              <a:rPr lang="en-US" dirty="0"/>
+              <a:t>https://github.com/Ratomir</a:t>
+            </a:r>
+          </a:p>
+          <a:p>
+            <a:r>
+              <a:rPr lang="en-US" dirty="0"/>
+              <a:t>https://www.ratomirvukadin.com </a:t>
+            </a:r>
+          </a:p>
+          <a:p>
+            <a:r>
+              <a:rPr lang="en-US" dirty="0"/>
+              <a:t>Network 9, WinDays19, Azure Bootcamp, Tarabica19, Sinergija19, MS Community 8…</a:t>
+            </a:r>
+          </a:p>
+          <a:p>
+            <a:r>
+              <a:rPr lang="en-US" dirty="0" err="1"/>
+              <a:t>IaC</a:t>
+            </a:r>
+            <a:r>
+              <a:rPr lang="en-US" dirty="0"/>
+              <a:t> </a:t>
+            </a:r>
+            <a:r>
+              <a:rPr lang="en-US" dirty="0" err="1"/>
+              <a:t>Pulumi</a:t>
+            </a:r>
+            <a:r>
+              <a:rPr lang="en-US" dirty="0"/>
+              <a:t>/</a:t>
+            </a:r>
+            <a:r>
+              <a:rPr lang="en-US" dirty="0" err="1"/>
+              <a:t>Terrafrom</a:t>
+            </a:r>
+            <a:r>
+              <a:rPr lang="en-US" dirty="0"/>
+              <a:t> – </a:t>
+            </a:r>
+            <a:r>
+              <a:rPr lang="en-US" dirty="0" err="1"/>
+              <a:t>Pulumi</a:t>
+            </a:r>
+            <a:r>
+              <a:rPr lang="en-US"/>
+              <a:t> .NET Core</a:t>
+            </a:r>
+            <a:endParaRPr lang="en-US" dirty="0"/>
+          </a:p>
+        </p:txBody>
+      </p:sp>
+    </p:spTree>
+    <p:extLst>
+      <p:ext uri="{BB962C8B-B14F-4D97-AF65-F5344CB8AC3E}">
+        <p14:creationId xmlns:p14="http://schemas.microsoft.com/office/powerpoint/2010/main" val="2972552792"/>
+      </p:ext>
+    </p:extLst>
+  </p:cSld>
+  <p:clrMapOvr>
+    <a:masterClrMapping/>
+  </p:clrMapOvr>
+  <p:transition>
+    <p:fade/>
+  </p:transition>
+</p:sld>
+</file>
+
+<file path=ppt/slides/slide5.xml><?xml version="1.0" encoding="utf-8"?>
 <p:sld xmlns:a="http://schemas.openxmlformats.org/drawingml/2006/main" xmlns:r="http://schemas.openxmlformats.org/officeDocument/2006/relationships" xmlns:p="http://schemas.openxmlformats.org/presentationml/2006/main">
   <p:cSld>
     <p:spTree>
@@ -13465,7 +13926,7 @@
 </p:sld>
 </file>
 
-<file path=ppt/slides/slide5.xml><?xml version="1.0" encoding="utf-8"?>
+<file path=ppt/slides/slide6.xml><?xml version="1.0" encoding="utf-8"?>
 <p:sld xmlns:a="http://schemas.openxmlformats.org/drawingml/2006/main" xmlns:r="http://schemas.openxmlformats.org/officeDocument/2006/relationships" xmlns:p="http://schemas.openxmlformats.org/presentationml/2006/main">
   <p:cSld>
     <p:spTree>
@@ -13676,7 +14137,7 @@
 </p:sld>
 </file>
 
-<file path=ppt/slides/slide6.xml><?xml version="1.0" encoding="utf-8"?>
+<file path=ppt/slides/slide7.xml><?xml version="1.0" encoding="utf-8"?>
 <p:sld xmlns:a="http://schemas.openxmlformats.org/drawingml/2006/main" xmlns:r="http://schemas.openxmlformats.org/officeDocument/2006/relationships" xmlns:p="http://schemas.openxmlformats.org/presentationml/2006/main">
   <p:cSld>
     <p:spTree>
@@ -13815,7 +14276,7 @@
 </p:sld>
 </file>
 
-<file path=ppt/slides/slide7.xml><?xml version="1.0" encoding="utf-8"?>
+<file path=ppt/slides/slide8.xml><?xml version="1.0" encoding="utf-8"?>
 <p:sld xmlns:a="http://schemas.openxmlformats.org/drawingml/2006/main" xmlns:r="http://schemas.openxmlformats.org/officeDocument/2006/relationships" xmlns:p="http://schemas.openxmlformats.org/presentationml/2006/main">
   <p:cSld>
     <p:spTree>
@@ -14033,7 +14494,7 @@
 </p:sld>
 </file>
 
-<file path=ppt/slides/slide8.xml><?xml version="1.0" encoding="utf-8"?>
+<file path=ppt/slides/slide9.xml><?xml version="1.0" encoding="utf-8"?>
 <p:sld xmlns:a="http://schemas.openxmlformats.org/drawingml/2006/main" xmlns:r="http://schemas.openxmlformats.org/officeDocument/2006/relationships" xmlns:p="http://schemas.openxmlformats.org/presentationml/2006/main">
   <p:cSld>
     <p:spTree>
@@ -14129,280 +14590,6 @@
     <p:extLst>
       <p:ext uri="{BB962C8B-B14F-4D97-AF65-F5344CB8AC3E}">
         <p14:creationId xmlns:p14="http://schemas.microsoft.com/office/powerpoint/2010/main" val="3251311588"/>
-      </p:ext>
-    </p:extLst>
-  </p:cSld>
-  <p:clrMapOvr>
-    <a:masterClrMapping/>
-  </p:clrMapOvr>
-  <p:transition>
-    <p:fade/>
-  </p:transition>
-</p:sld>
-</file>
-
-<file path=ppt/slides/slide9.xml><?xml version="1.0" encoding="utf-8"?>
-<p:sld xmlns:a="http://schemas.openxmlformats.org/drawingml/2006/main" xmlns:r="http://schemas.openxmlformats.org/officeDocument/2006/relationships" xmlns:p="http://schemas.openxmlformats.org/presentationml/2006/main">
-  <p:cSld>
-    <p:spTree>
-      <p:nvGrpSpPr>
-        <p:cNvPr id="1" name=""/>
-        <p:cNvGrpSpPr/>
-        <p:nvPr/>
-      </p:nvGrpSpPr>
-      <p:grpSpPr>
-        <a:xfrm>
-          <a:off x="0" y="0"/>
-          <a:ext cx="0" cy="0"/>
-          <a:chOff x="0" y="0"/>
-          <a:chExt cx="0" cy="0"/>
-        </a:xfrm>
-      </p:grpSpPr>
-      <p:sp>
-        <p:nvSpPr>
-          <p:cNvPr id="2" name="Title 1">
-            <a:extLst>
-              <a:ext uri="{FF2B5EF4-FFF2-40B4-BE49-F238E27FC236}">
-                <a16:creationId xmlns:a16="http://schemas.microsoft.com/office/drawing/2014/main" id="{804AD811-CA47-4A7E-A5C6-DAC437DF7C29}"/>
-              </a:ext>
-            </a:extLst>
-          </p:cNvPr>
-          <p:cNvSpPr>
-            <a:spLocks noGrp="1"/>
-          </p:cNvSpPr>
-          <p:nvPr>
-            <p:ph type="title"/>
-          </p:nvPr>
-        </p:nvSpPr>
-        <p:spPr>
-          <a:xfrm>
-            <a:off x="274639" y="264964"/>
-            <a:ext cx="11576702" cy="1097302"/>
-          </a:xfrm>
-        </p:spPr>
-        <p:txBody>
-          <a:bodyPr/>
-          <a:lstStyle/>
-          <a:p>
-            <a:r>
-              <a:rPr lang="en-US"/>
-              <a:t>KEDA</a:t>
-            </a:r>
-            <a:br>
-              <a:rPr lang="en-US"/>
-            </a:br>
-            <a:r>
-              <a:rPr lang="en-US"/>
-              <a:t>Kubernetes-Event-Driven-Autoscaling</a:t>
-            </a:r>
-            <a:endParaRPr lang="en-US" dirty="0"/>
-          </a:p>
-        </p:txBody>
-      </p:sp>
-      <p:sp>
-        <p:nvSpPr>
-          <p:cNvPr id="3" name="Text Placeholder 2">
-            <a:extLst>
-              <a:ext uri="{FF2B5EF4-FFF2-40B4-BE49-F238E27FC236}">
-                <a16:creationId xmlns:a16="http://schemas.microsoft.com/office/drawing/2014/main" id="{D6BABD4F-D63E-4609-AACC-213930EE0AB9}"/>
-              </a:ext>
-            </a:extLst>
-          </p:cNvPr>
-          <p:cNvSpPr>
-            <a:spLocks noGrp="1"/>
-          </p:cNvSpPr>
-          <p:nvPr>
-            <p:ph type="body" sz="quarter" idx="13"/>
-          </p:nvPr>
-        </p:nvSpPr>
-        <p:spPr>
-          <a:xfrm>
-            <a:off x="274639" y="2125663"/>
-            <a:ext cx="9144000" cy="4082870"/>
-          </a:xfrm>
-        </p:spPr>
-        <p:txBody>
-          <a:bodyPr/>
-          <a:lstStyle/>
-          <a:p>
-            <a:r>
-              <a:rPr lang="en-GB" dirty="0"/>
-              <a:t>Monitors the rate of events to proactively scale any container</a:t>
-            </a:r>
-          </a:p>
-          <a:p>
-            <a:r>
-              <a:rPr lang="en-GB" dirty="0"/>
-              <a:t>Feeds the data into the Kubernetes system to drive scaling</a:t>
-            </a:r>
-          </a:p>
-          <a:p>
-            <a:r>
-              <a:rPr lang="en-GB" dirty="0"/>
-              <a:t>KEDA can run on both, any cloud, any Kubernetes, integrates natively HPA </a:t>
-            </a:r>
-          </a:p>
-          <a:p>
-            <a:r>
-              <a:rPr lang="en-GB" dirty="0"/>
-              <a:t>Open source (MIT License) and onboarding to CNCF</a:t>
-            </a:r>
-          </a:p>
-          <a:p>
-            <a:r>
-              <a:rPr lang="en-GB" dirty="0"/>
-              <a:t>Extensible and pluggable scalers to grab metrics from any event source</a:t>
-            </a:r>
-          </a:p>
-          <a:p>
-            <a:pPr marL="0" indent="0">
-              <a:buNone/>
-            </a:pPr>
-            <a:endParaRPr lang="en-GB" dirty="0"/>
-          </a:p>
-          <a:p>
-            <a:endParaRPr lang="en-US" dirty="0"/>
-          </a:p>
-        </p:txBody>
-      </p:sp>
-      <p:pic>
-        <p:nvPicPr>
-          <p:cNvPr id="4" name="Picture 3">
-            <a:extLst>
-              <a:ext uri="{FF2B5EF4-FFF2-40B4-BE49-F238E27FC236}">
-                <a16:creationId xmlns:a16="http://schemas.microsoft.com/office/drawing/2014/main" id="{B23C6030-96C7-45FE-90F6-722F01CEC567}"/>
-              </a:ext>
-            </a:extLst>
-          </p:cNvPr>
-          <p:cNvPicPr>
-            <a:picLocks noChangeAspect="1"/>
-          </p:cNvPicPr>
-          <p:nvPr/>
-        </p:nvPicPr>
-        <p:blipFill>
-          <a:blip r:embed="rId2"/>
-          <a:stretch>
-            <a:fillRect/>
-          </a:stretch>
-        </p:blipFill>
-        <p:spPr>
-          <a:xfrm>
-            <a:off x="8395299" y="0"/>
-            <a:ext cx="4148930" cy="1616637"/>
-          </a:xfrm>
-          <a:prstGeom prst="rect">
-            <a:avLst/>
-          </a:prstGeom>
-        </p:spPr>
-      </p:pic>
-      <p:sp>
-        <p:nvSpPr>
-          <p:cNvPr id="5" name="Rectangle 4">
-            <a:extLst>
-              <a:ext uri="{FF2B5EF4-FFF2-40B4-BE49-F238E27FC236}">
-                <a16:creationId xmlns:a16="http://schemas.microsoft.com/office/drawing/2014/main" id="{C88056E4-7971-435B-8043-6C11380500DA}"/>
-              </a:ext>
-            </a:extLst>
-          </p:cNvPr>
-          <p:cNvSpPr/>
-          <p:nvPr/>
-        </p:nvSpPr>
-        <p:spPr>
-          <a:xfrm>
-            <a:off x="9056114" y="4521145"/>
-            <a:ext cx="3105722" cy="369332"/>
-          </a:xfrm>
-          <a:prstGeom prst="rect">
-            <a:avLst/>
-          </a:prstGeom>
-        </p:spPr>
-        <p:txBody>
-          <a:bodyPr wrap="none">
-            <a:spAutoFit/>
-          </a:bodyPr>
-          <a:lstStyle/>
-          <a:p>
-            <a:r>
-              <a:rPr lang="en-US" dirty="0">
-                <a:hlinkClick r:id="rId3"/>
-              </a:rPr>
-              <a:t>https://github.com/kedacore</a:t>
-            </a:r>
-            <a:endParaRPr lang="en-US" dirty="0"/>
-          </a:p>
-        </p:txBody>
-      </p:sp>
-      <p:sp>
-        <p:nvSpPr>
-          <p:cNvPr id="6" name="Rectangle 5">
-            <a:extLst>
-              <a:ext uri="{FF2B5EF4-FFF2-40B4-BE49-F238E27FC236}">
-                <a16:creationId xmlns:a16="http://schemas.microsoft.com/office/drawing/2014/main" id="{A85E753B-2CD4-4852-BC31-1F7D2DC48C46}"/>
-              </a:ext>
-            </a:extLst>
-          </p:cNvPr>
-          <p:cNvSpPr/>
-          <p:nvPr/>
-        </p:nvSpPr>
-        <p:spPr>
-          <a:xfrm>
-            <a:off x="10375578" y="5329656"/>
-            <a:ext cx="1786258" cy="369332"/>
-          </a:xfrm>
-          <a:prstGeom prst="rect">
-            <a:avLst/>
-          </a:prstGeom>
-        </p:spPr>
-        <p:txBody>
-          <a:bodyPr wrap="none">
-            <a:spAutoFit/>
-          </a:bodyPr>
-          <a:lstStyle/>
-          <a:p>
-            <a:r>
-              <a:rPr lang="en-US" dirty="0">
-                <a:hlinkClick r:id="rId4"/>
-              </a:rPr>
-              <a:t>https://keda.sh/</a:t>
-            </a:r>
-            <a:endParaRPr lang="en-US" dirty="0"/>
-          </a:p>
-        </p:txBody>
-      </p:sp>
-      <p:pic>
-        <p:nvPicPr>
-          <p:cNvPr id="7" name="Picture 6">
-            <a:extLst>
-              <a:ext uri="{FF2B5EF4-FFF2-40B4-BE49-F238E27FC236}">
-                <a16:creationId xmlns:a16="http://schemas.microsoft.com/office/drawing/2014/main" id="{1F8BF177-E597-4152-8387-10378F77AD6A}"/>
-              </a:ext>
-            </a:extLst>
-          </p:cNvPr>
-          <p:cNvPicPr>
-            <a:picLocks noChangeAspect="1"/>
-          </p:cNvPicPr>
-          <p:nvPr/>
-        </p:nvPicPr>
-        <p:blipFill>
-          <a:blip r:embed="rId5"/>
-          <a:stretch>
-            <a:fillRect/>
-          </a:stretch>
-        </p:blipFill>
-        <p:spPr>
-          <a:xfrm>
-            <a:off x="2545407" y="5698988"/>
-            <a:ext cx="4961050" cy="967824"/>
-          </a:xfrm>
-          <a:prstGeom prst="rect">
-            <a:avLst/>
-          </a:prstGeom>
-        </p:spPr>
-      </p:pic>
-    </p:spTree>
-    <p:extLst>
-      <p:ext uri="{BB962C8B-B14F-4D97-AF65-F5344CB8AC3E}">
-        <p14:creationId xmlns:p14="http://schemas.microsoft.com/office/powerpoint/2010/main" val="914791374"/>
       </p:ext>
     </p:extLst>
   </p:cSld>
@@ -15284,6 +15471,12 @@
 </file>
 
 <file path=customXml/item1.xml><?xml version="1.0" encoding="utf-8"?>
+<p:properties xmlns:p="http://schemas.microsoft.com/office/2006/metadata/properties" xmlns:xsi="http://www.w3.org/2001/XMLSchema-instance" xmlns:pc="http://schemas.microsoft.com/office/infopath/2007/PartnerControls">
+  <documentManagement/>
+</p:properties>
+</file>
+
+<file path=customXml/item2.xml><?xml version="1.0" encoding="utf-8"?>
 <ct:contentTypeSchema xmlns:ct="http://schemas.microsoft.com/office/2006/metadata/contentType" xmlns:ma="http://schemas.microsoft.com/office/2006/metadata/properties/metaAttributes" ct:_="" ma:_="" ma:contentTypeName="Document" ma:contentTypeID="0x010100564EE576195D844D99E124BF75129AE2" ma:contentTypeVersion="0" ma:contentTypeDescription="Create a new document." ma:contentTypeScope="" ma:versionID="47e6058a989604ede8c9c2da07c137e5">
   <xsd:schema xmlns:xsd="http://www.w3.org/2001/XMLSchema" xmlns:xs="http://www.w3.org/2001/XMLSchema" xmlns:p="http://schemas.microsoft.com/office/2006/metadata/properties" targetNamespace="http://schemas.microsoft.com/office/2006/metadata/properties" ma:root="true" ma:fieldsID="c64490b4aec6201516c3a874156f37b2">
     <xsd:element name="properties">
@@ -15397,12 +15590,6 @@
 </ct:contentTypeSchema>
 </file>
 
-<file path=customXml/item2.xml><?xml version="1.0" encoding="utf-8"?>
-<p:properties xmlns:p="http://schemas.microsoft.com/office/2006/metadata/properties" xmlns:xsi="http://www.w3.org/2001/XMLSchema-instance" xmlns:pc="http://schemas.microsoft.com/office/infopath/2007/PartnerControls">
-  <documentManagement/>
-</p:properties>
-</file>
-
 <file path=customXml/item3.xml><?xml version="1.0" encoding="utf-8"?>
 <?mso-contentType ?>
 <FormTemplates xmlns="http://schemas.microsoft.com/sharepoint/v3/contenttype/forms">
@@ -15413,6 +15600,15 @@
 </file>
 
 <file path=customXml/itemProps1.xml><?xml version="1.0" encoding="utf-8"?>
+<ds:datastoreItem xmlns:ds="http://schemas.openxmlformats.org/officeDocument/2006/customXml" ds:itemID="{F990F116-B58F-4255-B05B-DA3808E0E5C6}">
+  <ds:schemaRefs>
+    <ds:schemaRef ds:uri="http://schemas.microsoft.com/office/2006/metadata/properties"/>
+    <ds:schemaRef ds:uri="http://schemas.microsoft.com/office/infopath/2007/PartnerControls"/>
+  </ds:schemaRefs>
+</ds:datastoreItem>
+</file>
+
+<file path=customXml/itemProps2.xml><?xml version="1.0" encoding="utf-8"?>
 <ds:datastoreItem xmlns:ds="http://schemas.openxmlformats.org/officeDocument/2006/customXml" ds:itemID="{ED27CE94-B6F1-4A03-BE66-D7C2650C8E38}">
   <ds:schemaRefs>
     <ds:schemaRef ds:uri="http://schemas.microsoft.com/office/2006/metadata/contentType"/>
@@ -15428,15 +15624,6 @@
 </ds:datastoreItem>
 </file>
 
-<file path=customXml/itemProps2.xml><?xml version="1.0" encoding="utf-8"?>
-<ds:datastoreItem xmlns:ds="http://schemas.openxmlformats.org/officeDocument/2006/customXml" ds:itemID="{F990F116-B58F-4255-B05B-DA3808E0E5C6}">
-  <ds:schemaRefs>
-    <ds:schemaRef ds:uri="http://schemas.microsoft.com/office/2006/metadata/properties"/>
-    <ds:schemaRef ds:uri="http://schemas.microsoft.com/office/infopath/2007/PartnerControls"/>
-  </ds:schemaRefs>
-</ds:datastoreItem>
-</file>
-
 <file path=customXml/itemProps3.xml><?xml version="1.0" encoding="utf-8"?>
 <ds:datastoreItem xmlns:ds="http://schemas.openxmlformats.org/officeDocument/2006/customXml" ds:itemID="{758FDAC0-319D-4A54-8D8E-1D42CB1F8004}">
   <ds:schemaRefs>

--- a/ppt/ATD15_Ratomir_Vukadin_Kubernetes_AzureFunctions.pptx
+++ b/ppt/ATD15_Ratomir_Vukadin_Kubernetes_AzureFunctions.pptx
@@ -318,7 +318,7 @@
 <file path=ppt/revisionInfo.xml><?xml version="1.0" encoding="utf-8"?>
 <p1510:revInfo xmlns:a="http://schemas.openxmlformats.org/drawingml/2006/main" xmlns:r="http://schemas.openxmlformats.org/officeDocument/2006/relationships" xmlns:p1510="http://schemas.microsoft.com/office/powerpoint/2015/10/main">
   <p1510:revLst>
-    <p1510:client id="{11430284-18F4-4C81-9D18-288C591DDA8F}" v="188" dt="2019-12-05T08:34:19.223"/>
+    <p1510:client id="{11430284-18F4-4C81-9D18-288C591DDA8F}" v="191" dt="2019-12-05T09:02:10.643"/>
   </p1510:revLst>
 </p1510:revInfo>
 </file>
@@ -328,7 +328,7 @@
   <pc:docChgLst>
     <pc:chgData name="Ratomir Vukadin" userId="97f9f9d869f927ca" providerId="LiveId" clId="{11430284-18F4-4C81-9D18-288C591DDA8F}"/>
     <pc:docChg chg="undo custSel addSld delSld modSld sldOrd delMainMaster delSection modSection">
-      <pc:chgData name="Ratomir Vukadin" userId="97f9f9d869f927ca" providerId="LiveId" clId="{11430284-18F4-4C81-9D18-288C591DDA8F}" dt="2019-12-05T08:34:54.029" v="2256" actId="20577"/>
+      <pc:chgData name="Ratomir Vukadin" userId="97f9f9d869f927ca" providerId="LiveId" clId="{11430284-18F4-4C81-9D18-288C591DDA8F}" dt="2019-12-05T09:06:18.143" v="2323" actId="20577"/>
       <pc:docMkLst>
         <pc:docMk/>
       </pc:docMkLst>
@@ -526,7 +526,7 @@
         </pc:spChg>
       </pc:sldChg>
       <pc:sldChg chg="addSp delSp modSp add">
-        <pc:chgData name="Ratomir Vukadin" userId="97f9f9d869f927ca" providerId="LiveId" clId="{11430284-18F4-4C81-9D18-288C591DDA8F}" dt="2019-12-05T08:18:06.425" v="2075" actId="20577"/>
+        <pc:chgData name="Ratomir Vukadin" userId="97f9f9d869f927ca" providerId="LiveId" clId="{11430284-18F4-4C81-9D18-288C591DDA8F}" dt="2019-12-05T09:06:18.143" v="2323" actId="20577"/>
         <pc:sldMkLst>
           <pc:docMk/>
           <pc:sldMk cId="2776151396" sldId="1196"/>
@@ -540,7 +540,7 @@
           </ac:spMkLst>
         </pc:spChg>
         <pc:spChg chg="mod">
-          <ac:chgData name="Ratomir Vukadin" userId="97f9f9d869f927ca" providerId="LiveId" clId="{11430284-18F4-4C81-9D18-288C591DDA8F}" dt="2019-12-05T08:18:06.425" v="2075" actId="20577"/>
+          <ac:chgData name="Ratomir Vukadin" userId="97f9f9d869f927ca" providerId="LiveId" clId="{11430284-18F4-4C81-9D18-288C591DDA8F}" dt="2019-12-05T09:06:18.143" v="2323" actId="20577"/>
           <ac:spMkLst>
             <pc:docMk/>
             <pc:sldMk cId="2776151396" sldId="1196"/>
@@ -1048,13 +1048,13 @@
         </pc:picChg>
       </pc:sldChg>
       <pc:sldChg chg="modSp add">
-        <pc:chgData name="Ratomir Vukadin" userId="97f9f9d869f927ca" providerId="LiveId" clId="{11430284-18F4-4C81-9D18-288C591DDA8F}" dt="2019-12-05T08:34:54.029" v="2256" actId="20577"/>
+        <pc:chgData name="Ratomir Vukadin" userId="97f9f9d869f927ca" providerId="LiveId" clId="{11430284-18F4-4C81-9D18-288C591DDA8F}" dt="2019-12-05T09:02:10.643" v="2261"/>
         <pc:sldMkLst>
           <pc:docMk/>
           <pc:sldMk cId="2972552792" sldId="1901"/>
         </pc:sldMkLst>
         <pc:spChg chg="mod">
-          <ac:chgData name="Ratomir Vukadin" userId="97f9f9d869f927ca" providerId="LiveId" clId="{11430284-18F4-4C81-9D18-288C591DDA8F}" dt="2019-12-05T08:34:54.029" v="2256" actId="20577"/>
+          <ac:chgData name="Ratomir Vukadin" userId="97f9f9d869f927ca" providerId="LiveId" clId="{11430284-18F4-4C81-9D18-288C591DDA8F}" dt="2019-12-05T09:02:10.643" v="2261"/>
           <ac:spMkLst>
             <pc:docMk/>
             <pc:sldMk cId="2972552792" sldId="1901"/>
@@ -13781,8 +13781,14 @@
               <a:t>Pulumi</a:t>
             </a:r>
             <a:r>
-              <a:rPr lang="en-US"/>
-              <a:t> .NET Core</a:t>
+              <a:rPr lang="en-US" dirty="0"/>
+              <a:t> .NET Core - </a:t>
+            </a:r>
+            <a:r>
+              <a:rPr lang="en-US" dirty="0">
+                <a:hlinkClick r:id="rId2"/>
+              </a:rPr>
+              <a:t>https://github.com/Ratomir/ATD15</a:t>
             </a:r>
             <a:endParaRPr lang="en-US" dirty="0"/>
           </a:p>
@@ -13999,39 +14005,43 @@
           <a:p>
             <a:r>
               <a:rPr lang="en-GB" dirty="0"/>
-              <a:t>The Serverless, radically save overhead and cost.</a:t>
+              <a:t>Serverless is about building event based applications on a function by function basis without worrying about traditional “servers”.</a:t>
             </a:r>
           </a:p>
           <a:p>
             <a:r>
+              <a:rPr lang="en-GB" i="1" dirty="0"/>
+              <a:t>Azure Functions</a:t>
+            </a:r>
+            <a:r>
               <a:rPr lang="en-GB" dirty="0"/>
-              <a:t>Serverless is about building event based applications on a function by function basis without worrying about traditional “servers”.</a:t>
+              <a:t> can easily be hosted in different environments</a:t>
             </a:r>
           </a:p>
           <a:p>
             <a:r>
-              <a:rPr lang="en-GB" i="1" dirty="0"/>
-              <a:t>Azure Functions</a:t>
-            </a:r>
-            <a:r>
               <a:rPr lang="en-GB" dirty="0"/>
-              <a:t> can easily be hosted in different environments</a:t>
+              <a:t>Open sourced</a:t>
             </a:r>
           </a:p>
           <a:p>
             <a:r>
+              <a:rPr lang="en-GB" i="1" dirty="0"/>
+              <a:t>Docker</a:t>
+            </a:r>
+            <a:r>
               <a:rPr lang="en-GB" dirty="0"/>
-              <a:t>Open sourced</a:t>
+              <a:t> image</a:t>
             </a:r>
           </a:p>
           <a:p>
             <a:r>
-              <a:rPr lang="en-GB" i="1" dirty="0"/>
-              <a:t>Docker</a:t>
-            </a:r>
-            <a:r>
               <a:rPr lang="en-GB" dirty="0"/>
-              <a:t> image</a:t>
+              <a:t>Azure Container Instance/</a:t>
+            </a:r>
+            <a:r>
+              <a:rPr lang="en-GB" dirty="0" err="1"/>
+              <a:t>Fargate</a:t>
             </a:r>
             <a:endParaRPr lang="en-US" dirty="0"/>
           </a:p>
@@ -15471,12 +15481,6 @@
 </file>
 
 <file path=customXml/item1.xml><?xml version="1.0" encoding="utf-8"?>
-<p:properties xmlns:p="http://schemas.microsoft.com/office/2006/metadata/properties" xmlns:xsi="http://www.w3.org/2001/XMLSchema-instance" xmlns:pc="http://schemas.microsoft.com/office/infopath/2007/PartnerControls">
-  <documentManagement/>
-</p:properties>
-</file>
-
-<file path=customXml/item2.xml><?xml version="1.0" encoding="utf-8"?>
 <ct:contentTypeSchema xmlns:ct="http://schemas.microsoft.com/office/2006/metadata/contentType" xmlns:ma="http://schemas.microsoft.com/office/2006/metadata/properties/metaAttributes" ct:_="" ma:_="" ma:contentTypeName="Document" ma:contentTypeID="0x010100564EE576195D844D99E124BF75129AE2" ma:contentTypeVersion="0" ma:contentTypeDescription="Create a new document." ma:contentTypeScope="" ma:versionID="47e6058a989604ede8c9c2da07c137e5">
   <xsd:schema xmlns:xsd="http://www.w3.org/2001/XMLSchema" xmlns:xs="http://www.w3.org/2001/XMLSchema" xmlns:p="http://schemas.microsoft.com/office/2006/metadata/properties" targetNamespace="http://schemas.microsoft.com/office/2006/metadata/properties" ma:root="true" ma:fieldsID="c64490b4aec6201516c3a874156f37b2">
     <xsd:element name="properties">
@@ -15590,6 +15594,12 @@
 </ct:contentTypeSchema>
 </file>
 
+<file path=customXml/item2.xml><?xml version="1.0" encoding="utf-8"?>
+<p:properties xmlns:p="http://schemas.microsoft.com/office/2006/metadata/properties" xmlns:xsi="http://www.w3.org/2001/XMLSchema-instance" xmlns:pc="http://schemas.microsoft.com/office/infopath/2007/PartnerControls">
+  <documentManagement/>
+</p:properties>
+</file>
+
 <file path=customXml/item3.xml><?xml version="1.0" encoding="utf-8"?>
 <?mso-contentType ?>
 <FormTemplates xmlns="http://schemas.microsoft.com/sharepoint/v3/contenttype/forms">
@@ -15600,15 +15610,6 @@
 </file>
 
 <file path=customXml/itemProps1.xml><?xml version="1.0" encoding="utf-8"?>
-<ds:datastoreItem xmlns:ds="http://schemas.openxmlformats.org/officeDocument/2006/customXml" ds:itemID="{F990F116-B58F-4255-B05B-DA3808E0E5C6}">
-  <ds:schemaRefs>
-    <ds:schemaRef ds:uri="http://schemas.microsoft.com/office/2006/metadata/properties"/>
-    <ds:schemaRef ds:uri="http://schemas.microsoft.com/office/infopath/2007/PartnerControls"/>
-  </ds:schemaRefs>
-</ds:datastoreItem>
-</file>
-
-<file path=customXml/itemProps2.xml><?xml version="1.0" encoding="utf-8"?>
 <ds:datastoreItem xmlns:ds="http://schemas.openxmlformats.org/officeDocument/2006/customXml" ds:itemID="{ED27CE94-B6F1-4A03-BE66-D7C2650C8E38}">
   <ds:schemaRefs>
     <ds:schemaRef ds:uri="http://schemas.microsoft.com/office/2006/metadata/contentType"/>
@@ -15624,6 +15625,15 @@
 </ds:datastoreItem>
 </file>
 
+<file path=customXml/itemProps2.xml><?xml version="1.0" encoding="utf-8"?>
+<ds:datastoreItem xmlns:ds="http://schemas.openxmlformats.org/officeDocument/2006/customXml" ds:itemID="{F990F116-B58F-4255-B05B-DA3808E0E5C6}">
+  <ds:schemaRefs>
+    <ds:schemaRef ds:uri="http://schemas.microsoft.com/office/2006/metadata/properties"/>
+    <ds:schemaRef ds:uri="http://schemas.microsoft.com/office/infopath/2007/PartnerControls"/>
+  </ds:schemaRefs>
+</ds:datastoreItem>
+</file>
+
 <file path=customXml/itemProps3.xml><?xml version="1.0" encoding="utf-8"?>
 <ds:datastoreItem xmlns:ds="http://schemas.openxmlformats.org/officeDocument/2006/customXml" ds:itemID="{758FDAC0-319D-4A54-8D8E-1D42CB1F8004}">
   <ds:schemaRefs>
